--- a/day1/ANDGrid.pptx
+++ b/day1/ANDGrid.pptx
@@ -308,7 +308,7 @@
             <a:fld id="{B61BEF0D-F0BB-DE4B-95CE-6DB70DBA9567}" type="datetimeFigureOut">
               <a:rPr lang="en-US" dirty="0"/>
               <a:pPr/>
-              <a:t>4/12/21</a:t>
+              <a:t>5/10/21</a:t>
             </a:fld>
             <a:endParaRPr lang="en-US" dirty="0"/>
           </a:p>
@@ -643,7 +643,7 @@
             <a:fld id="{B61BEF0D-F0BB-DE4B-95CE-6DB70DBA9567}" type="datetimeFigureOut">
               <a:rPr lang="en-US" dirty="0"/>
               <a:pPr/>
-              <a:t>4/12/21</a:t>
+              <a:t>5/10/21</a:t>
             </a:fld>
             <a:endParaRPr lang="en-US" dirty="0"/>
           </a:p>
@@ -1041,7 +1041,7 @@
             <a:fld id="{B61BEF0D-F0BB-DE4B-95CE-6DB70DBA9567}" type="datetimeFigureOut">
               <a:rPr lang="en-US" dirty="0"/>
               <a:pPr/>
-              <a:t>4/12/21</a:t>
+              <a:t>5/10/21</a:t>
             </a:fld>
             <a:endParaRPr lang="en-US" dirty="0"/>
           </a:p>
@@ -1374,7 +1374,7 @@
             <a:fld id="{B61BEF0D-F0BB-DE4B-95CE-6DB70DBA9567}" type="datetimeFigureOut">
               <a:rPr lang="en-US" dirty="0"/>
               <a:pPr/>
-              <a:t>4/12/21</a:t>
+              <a:t>5/10/21</a:t>
             </a:fld>
             <a:endParaRPr lang="en-US" dirty="0"/>
           </a:p>
@@ -1691,7 +1691,7 @@
             <a:fld id="{B61BEF0D-F0BB-DE4B-95CE-6DB70DBA9567}" type="datetimeFigureOut">
               <a:rPr lang="en-US" dirty="0"/>
               <a:pPr/>
-              <a:t>4/12/21</a:t>
+              <a:t>5/10/21</a:t>
             </a:fld>
             <a:endParaRPr lang="en-US" dirty="0"/>
           </a:p>
@@ -2084,7 +2084,7 @@
             <a:fld id="{B61BEF0D-F0BB-DE4B-95CE-6DB70DBA9567}" type="datetimeFigureOut">
               <a:rPr lang="en-US" dirty="0"/>
               <a:pPr/>
-              <a:t>4/12/21</a:t>
+              <a:t>5/10/21</a:t>
             </a:fld>
             <a:endParaRPr lang="en-US" dirty="0"/>
           </a:p>
@@ -2370,7 +2370,7 @@
             <a:fld id="{B61BEF0D-F0BB-DE4B-95CE-6DB70DBA9567}" type="datetimeFigureOut">
               <a:rPr lang="en-US" dirty="0"/>
               <a:pPr/>
-              <a:t>4/12/21</a:t>
+              <a:t>5/10/21</a:t>
             </a:fld>
             <a:endParaRPr lang="en-US" dirty="0"/>
           </a:p>
@@ -2661,7 +2661,7 @@
             <a:fld id="{B61BEF0D-F0BB-DE4B-95CE-6DB70DBA9567}" type="datetimeFigureOut">
               <a:rPr lang="en-US" dirty="0"/>
               <a:pPr/>
-              <a:t>4/12/21</a:t>
+              <a:t>5/10/21</a:t>
             </a:fld>
             <a:endParaRPr lang="en-US" dirty="0"/>
           </a:p>
@@ -2952,7 +2952,7 @@
             <a:fld id="{B61BEF0D-F0BB-DE4B-95CE-6DB70DBA9567}" type="datetimeFigureOut">
               <a:rPr lang="en-US" dirty="0"/>
               <a:pPr/>
-              <a:t>4/12/21</a:t>
+              <a:t>5/10/21</a:t>
             </a:fld>
             <a:endParaRPr lang="en-US" dirty="0"/>
           </a:p>
@@ -3278,7 +3278,7 @@
             <a:fld id="{B61BEF0D-F0BB-DE4B-95CE-6DB70DBA9567}" type="datetimeFigureOut">
               <a:rPr lang="en-US" dirty="0"/>
               <a:pPr/>
-              <a:t>4/12/21</a:t>
+              <a:t>5/10/21</a:t>
             </a:fld>
             <a:endParaRPr lang="en-US" dirty="0"/>
           </a:p>
@@ -3662,7 +3662,7 @@
             <a:fld id="{B61BEF0D-F0BB-DE4B-95CE-6DB70DBA9567}" type="datetimeFigureOut">
               <a:rPr lang="en-US" dirty="0"/>
               <a:pPr/>
-              <a:t>4/12/21</a:t>
+              <a:t>5/10/21</a:t>
             </a:fld>
             <a:endParaRPr lang="en-US" dirty="0"/>
           </a:p>
@@ -4180,7 +4180,7 @@
             <a:fld id="{B61BEF0D-F0BB-DE4B-95CE-6DB70DBA9567}" type="datetimeFigureOut">
               <a:rPr lang="en-US" dirty="0"/>
               <a:pPr/>
-              <a:t>4/12/21</a:t>
+              <a:t>5/10/21</a:t>
             </a:fld>
             <a:endParaRPr lang="en-US" dirty="0"/>
           </a:p>
@@ -4382,7 +4382,7 @@
             <a:fld id="{B61BEF0D-F0BB-DE4B-95CE-6DB70DBA9567}" type="datetimeFigureOut">
               <a:rPr lang="en-US" dirty="0"/>
               <a:pPr/>
-              <a:t>4/12/21</a:t>
+              <a:t>5/10/21</a:t>
             </a:fld>
             <a:endParaRPr lang="en-US" dirty="0"/>
           </a:p>
@@ -4556,7 +4556,7 @@
             <a:fld id="{B61BEF0D-F0BB-DE4B-95CE-6DB70DBA9567}" type="datetimeFigureOut">
               <a:rPr lang="en-US" dirty="0"/>
               <a:pPr/>
-              <a:t>4/12/21</a:t>
+              <a:t>5/10/21</a:t>
             </a:fld>
             <a:endParaRPr lang="en-US" dirty="0"/>
           </a:p>
@@ -4918,7 +4918,7 @@
             <a:fld id="{B61BEF0D-F0BB-DE4B-95CE-6DB70DBA9567}" type="datetimeFigureOut">
               <a:rPr lang="en-US" dirty="0"/>
               <a:pPr/>
-              <a:t>4/12/21</a:t>
+              <a:t>5/10/21</a:t>
             </a:fld>
             <a:endParaRPr lang="en-US" dirty="0"/>
           </a:p>
@@ -5260,7 +5260,7 @@
             <a:fld id="{B61BEF0D-F0BB-DE4B-95CE-6DB70DBA9567}" type="datetimeFigureOut">
               <a:rPr lang="en-US" dirty="0"/>
               <a:pPr/>
-              <a:t>4/12/21</a:t>
+              <a:t>5/10/21</a:t>
             </a:fld>
             <a:endParaRPr lang="en-US" dirty="0"/>
           </a:p>
@@ -7406,7 +7406,7 @@
             <a:fld id="{B61BEF0D-F0BB-DE4B-95CE-6DB70DBA9567}" type="datetimeFigureOut">
               <a:rPr lang="en-US" dirty="0"/>
               <a:pPr/>
-              <a:t>4/12/21</a:t>
+              <a:t>5/10/21</a:t>
             </a:fld>
             <a:endParaRPr lang="en-US" dirty="0"/>
           </a:p>
@@ -8128,8 +8128,8 @@
           </a:p>
         </p:txBody>
       </p:sp>
-      <mc:AlternateContent xmlns:mc="http://schemas.openxmlformats.org/markup-compatibility/2006">
-        <mc:Choice xmlns:a14="http://schemas.microsoft.com/office/drawing/2010/main" Requires="a14">
+      <mc:AlternateContent xmlns:mc="http://schemas.openxmlformats.org/markup-compatibility/2006" xmlns:a14="http://schemas.microsoft.com/office/drawing/2010/main">
+        <mc:Choice Requires="a14">
           <p:sp>
             <p:nvSpPr>
               <p:cNvPr id="3" name="コンテンツ プレースホルダー 2">
@@ -8265,7 +8265,7 @@
             </p:txBody>
           </p:sp>
         </mc:Choice>
-        <mc:Fallback>
+        <mc:Fallback xmlns="">
           <p:sp>
             <p:nvSpPr>
               <p:cNvPr id="3" name="コンテンツ プレースホルダー 2">
@@ -8479,8 +8479,8 @@
           </a:p>
         </p:txBody>
       </p:sp>
-      <mc:AlternateContent xmlns:mc="http://schemas.openxmlformats.org/markup-compatibility/2006">
-        <mc:Choice xmlns:a14="http://schemas.microsoft.com/office/drawing/2010/main" Requires="a14">
+      <mc:AlternateContent xmlns:mc="http://schemas.openxmlformats.org/markup-compatibility/2006" xmlns:a14="http://schemas.microsoft.com/office/drawing/2010/main">
+        <mc:Choice Requires="a14">
           <p:sp>
             <p:nvSpPr>
               <p:cNvPr id="15" name="テキスト ボックス 14">
@@ -8509,6 +8509,7 @@
               </a:bodyPr>
               <a:lstStyle/>
               <a:p>
+                <a:pPr/>
                 <a14:m>
                   <m:oMathPara xmlns:m="http://schemas.openxmlformats.org/officeDocument/2006/math">
                     <m:oMathParaPr>
@@ -8535,7 +8536,7 @@
             </p:txBody>
           </p:sp>
         </mc:Choice>
-        <mc:Fallback>
+        <mc:Fallback xmlns="">
           <p:sp>
             <p:nvSpPr>
               <p:cNvPr id="15" name="テキスト ボックス 14">
@@ -8624,8 +8625,8 @@
           </a:p>
         </p:txBody>
       </p:sp>
-      <mc:AlternateContent xmlns:mc="http://schemas.openxmlformats.org/markup-compatibility/2006">
-        <mc:Choice xmlns:a14="http://schemas.microsoft.com/office/drawing/2010/main" Requires="a14">
+      <mc:AlternateContent xmlns:mc="http://schemas.openxmlformats.org/markup-compatibility/2006" xmlns:a14="http://schemas.microsoft.com/office/drawing/2010/main">
+        <mc:Choice Requires="a14">
           <p:sp>
             <p:nvSpPr>
               <p:cNvPr id="18" name="テキスト ボックス 17">
@@ -8654,6 +8655,7 @@
               </a:bodyPr>
               <a:lstStyle/>
               <a:p>
+                <a:pPr/>
                 <a14:m>
                   <m:oMathPara xmlns:m="http://schemas.openxmlformats.org/officeDocument/2006/math">
                     <m:oMathParaPr>
@@ -8680,7 +8682,7 @@
             </p:txBody>
           </p:sp>
         </mc:Choice>
-        <mc:Fallback>
+        <mc:Fallback xmlns="">
           <p:sp>
             <p:nvSpPr>
               <p:cNvPr id="18" name="テキスト ボックス 17">
@@ -8786,8 +8788,8 @@
           </a:p>
         </p:txBody>
       </p:sp>
-      <mc:AlternateContent xmlns:mc="http://schemas.openxmlformats.org/markup-compatibility/2006">
-        <mc:Choice xmlns:a14="http://schemas.microsoft.com/office/drawing/2010/main" Requires="a14">
+      <mc:AlternateContent xmlns:mc="http://schemas.openxmlformats.org/markup-compatibility/2006" xmlns:a14="http://schemas.microsoft.com/office/drawing/2010/main">
+        <mc:Choice Requires="a14">
           <p:sp>
             <p:nvSpPr>
               <p:cNvPr id="3" name="コンテンツ プレースホルダー 2">
@@ -8896,7 +8898,7 @@
             </p:txBody>
           </p:sp>
         </mc:Choice>
-        <mc:Fallback>
+        <mc:Fallback xmlns="">
           <p:sp>
             <p:nvSpPr>
               <p:cNvPr id="3" name="コンテンツ プレースホルダー 2">
